--- a/싸이파이를 이용한 최적화.pptx
+++ b/싸이파이를 이용한 최적화.pptx
@@ -284,7 +284,7 @@
           <a:p>
             <a:fld id="{5B3AD1D6-AE87-C841-B3FD-7C9F7FCAE5AE}" type="datetimeFigureOut">
               <a:rPr lang="en-US" smtClean="0"/>
-              <a:t>12/4/19</a:t>
+              <a:t>12/5/19</a:t>
             </a:fld>
             <a:endParaRPr lang="en-US"/>
           </a:p>
@@ -454,7 +454,7 @@
           <a:p>
             <a:fld id="{5B3AD1D6-AE87-C841-B3FD-7C9F7FCAE5AE}" type="datetimeFigureOut">
               <a:rPr lang="en-US" smtClean="0"/>
-              <a:t>12/4/19</a:t>
+              <a:t>12/5/19</a:t>
             </a:fld>
             <a:endParaRPr lang="en-US"/>
           </a:p>
@@ -634,7 +634,7 @@
           <a:p>
             <a:fld id="{5B3AD1D6-AE87-C841-B3FD-7C9F7FCAE5AE}" type="datetimeFigureOut">
               <a:rPr lang="en-US" smtClean="0"/>
-              <a:t>12/4/19</a:t>
+              <a:t>12/5/19</a:t>
             </a:fld>
             <a:endParaRPr lang="en-US"/>
           </a:p>
@@ -804,7 +804,7 @@
           <a:p>
             <a:fld id="{5B3AD1D6-AE87-C841-B3FD-7C9F7FCAE5AE}" type="datetimeFigureOut">
               <a:rPr lang="en-US" smtClean="0"/>
-              <a:t>12/4/19</a:t>
+              <a:t>12/5/19</a:t>
             </a:fld>
             <a:endParaRPr lang="en-US"/>
           </a:p>
@@ -1050,7 +1050,7 @@
           <a:p>
             <a:fld id="{5B3AD1D6-AE87-C841-B3FD-7C9F7FCAE5AE}" type="datetimeFigureOut">
               <a:rPr lang="en-US" smtClean="0"/>
-              <a:t>12/4/19</a:t>
+              <a:t>12/5/19</a:t>
             </a:fld>
             <a:endParaRPr lang="en-US"/>
           </a:p>
@@ -1282,7 +1282,7 @@
           <a:p>
             <a:fld id="{5B3AD1D6-AE87-C841-B3FD-7C9F7FCAE5AE}" type="datetimeFigureOut">
               <a:rPr lang="en-US" smtClean="0"/>
-              <a:t>12/4/19</a:t>
+              <a:t>12/5/19</a:t>
             </a:fld>
             <a:endParaRPr lang="en-US"/>
           </a:p>
@@ -1649,7 +1649,7 @@
           <a:p>
             <a:fld id="{5B3AD1D6-AE87-C841-B3FD-7C9F7FCAE5AE}" type="datetimeFigureOut">
               <a:rPr lang="en-US" smtClean="0"/>
-              <a:t>12/4/19</a:t>
+              <a:t>12/5/19</a:t>
             </a:fld>
             <a:endParaRPr lang="en-US"/>
           </a:p>
@@ -1767,7 +1767,7 @@
           <a:p>
             <a:fld id="{5B3AD1D6-AE87-C841-B3FD-7C9F7FCAE5AE}" type="datetimeFigureOut">
               <a:rPr lang="en-US" smtClean="0"/>
-              <a:t>12/4/19</a:t>
+              <a:t>12/5/19</a:t>
             </a:fld>
             <a:endParaRPr lang="en-US"/>
           </a:p>
@@ -1862,7 +1862,7 @@
           <a:p>
             <a:fld id="{5B3AD1D6-AE87-C841-B3FD-7C9F7FCAE5AE}" type="datetimeFigureOut">
               <a:rPr lang="en-US" smtClean="0"/>
-              <a:t>12/4/19</a:t>
+              <a:t>12/5/19</a:t>
             </a:fld>
             <a:endParaRPr lang="en-US"/>
           </a:p>
@@ -2139,7 +2139,7 @@
           <a:p>
             <a:fld id="{5B3AD1D6-AE87-C841-B3FD-7C9F7FCAE5AE}" type="datetimeFigureOut">
               <a:rPr lang="en-US" smtClean="0"/>
-              <a:t>12/4/19</a:t>
+              <a:t>12/5/19</a:t>
             </a:fld>
             <a:endParaRPr lang="en-US"/>
           </a:p>
@@ -2392,7 +2392,7 @@
           <a:p>
             <a:fld id="{5B3AD1D6-AE87-C841-B3FD-7C9F7FCAE5AE}" type="datetimeFigureOut">
               <a:rPr lang="en-US" smtClean="0"/>
-              <a:t>12/4/19</a:t>
+              <a:t>12/5/19</a:t>
             </a:fld>
             <a:endParaRPr lang="en-US"/>
           </a:p>
@@ -2605,7 +2605,7 @@
           <a:p>
             <a:fld id="{5B3AD1D6-AE87-C841-B3FD-7C9F7FCAE5AE}" type="datetimeFigureOut">
               <a:rPr lang="en-US" smtClean="0"/>
-              <a:t>12/4/19</a:t>
+              <a:t>12/5/19</a:t>
             </a:fld>
             <a:endParaRPr lang="en-US"/>
           </a:p>
